--- a/sample.pptx
+++ b/sample.pptx
@@ -162,7 +162,7 @@
   </p:cSld>
   <p:clrMap bg1="lt1" tx1="dk1" bg2="lt2" tx2="dk2" accent1="accent1" accent2="accent2" accent3="accent3" accent4="accent4" accent5="accent5" accent6="accent6" hlink="hlink" folHlink="folHlink"/>
   <p:sldLayoutIdLst>
-    <p:sldLayoutId id="2317567184" r:id="rId1"/>
+    <p:sldLayoutId id="2354553843" r:id="rId1"/>
   </p:sldLayoutIdLst>
   <p:txStyles>
     <p:titleStyle>
@@ -283,7 +283,7 @@
                 </a:solidFill>
                 <a:latin typeface="Calibri"/>
               </a:rPr>
-              <a:t><![CDATA[Thank you for using PHPPresentation!]]></a:t>
+              <a:t><![CDATA[Hello World!]]></a:t>
             </a:r>
           </a:p>
         </p:txBody>
@@ -394,9 +394,9 @@
 </file>
 
 <file path=ppt/theme/theme1.xml><?xml version="1.0" encoding="utf-8"?>
-<a:theme xmlns:a="http://schemas.openxmlformats.org/drawingml/2006/main" name="Theme40">
+<a:theme xmlns:a="http://schemas.openxmlformats.org/drawingml/2006/main" name="Theme58">
   <a:themeElements>
-    <a:clrScheme name="Theme40">
+    <a:clrScheme name="Theme58">
       <a:dk1>
         <a:sysClr val="windowText" lastClr="000000"/>
       </a:dk1>
@@ -434,7 +434,7 @@
         <a:srgbClr val="800080"/>
       </a:folHlink>
     </a:clrScheme>
-    <a:fontScheme name="Theme40">
+    <a:fontScheme name="Theme58">
       <a:majorFont>
         <a:latin typeface="Calibri"/>
         <a:ea typeface=""/>
@@ -504,7 +504,7 @@
         <a:font script="Uigh" typeface="Microsoft Uighur"/>
       </a:minorFont>
     </a:fontScheme>
-    <a:fmtScheme name="Theme40">
+    <a:fmtScheme name="Theme58">
       <a:fillStyleLst>
         <a:solidFill>
           <a:schemeClr val="phClr"/>
